--- a/Digital Project Manager 2024 Q1.pptx
+++ b/Digital Project Manager 2024 Q1.pptx
@@ -49,14 +49,14 @@
   <p:notesSz cx="6858000" cy="9144000"/>
   <p:embeddedFontLst>
     <p:embeddedFont>
-      <p:font typeface="Helvetica Neue" panose="020B0604020202020204" charset="0"/>
+      <p:font typeface="Open Sans Light" panose="020B0604020202020204" charset="0"/>
       <p:regular r:id="rId39"/>
       <p:bold r:id="rId40"/>
       <p:italic r:id="rId41"/>
       <p:boldItalic r:id="rId42"/>
     </p:embeddedFont>
     <p:embeddedFont>
-      <p:font typeface="Open Sans Light" panose="020B0604020202020204" charset="0"/>
+      <p:font typeface="Helvetica Neue" panose="020B0604020202020204" charset="0"/>
       <p:regular r:id="rId43"/>
       <p:bold r:id="rId44"/>
       <p:italic r:id="rId45"/>
@@ -8462,14 +8462,14 @@
           <p:nvPr>
             <p:extLst>
               <p:ext uri="{D42A27DB-BD31-4B8C-83A1-F6EECF244321}">
-                <p14:modId xmlns:p14="http://schemas.microsoft.com/office/powerpoint/2010/main" val="1486161843"/>
+                <p14:modId xmlns:p14="http://schemas.microsoft.com/office/powerpoint/2010/main" val="2888939872"/>
               </p:ext>
             </p:extLst>
           </p:nvPr>
         </p:nvGraphicFramePr>
         <p:xfrm>
           <a:off x="264900" y="2253750"/>
-          <a:ext cx="7242600" cy="7511396"/>
+          <a:ext cx="7242600" cy="7685266"/>
         </p:xfrm>
         <a:graphic>
           <a:graphicData uri="http://schemas.openxmlformats.org/drawingml/2006/table">
@@ -8563,17 +8563,18 @@
                     <a:bodyPr/>
                     <a:lstStyle/>
                     <a:p>
-                      <a:pPr marL="0" lvl="0" indent="0" algn="l" rtl="0">
+                      <a:pPr marL="285750" lvl="0" indent="-285750" algn="l" rtl="0">
                         <a:spcBef>
                           <a:spcPts val="0"/>
                         </a:spcBef>
                         <a:spcAft>
                           <a:spcPts val="0"/>
                         </a:spcAft>
-                        <a:buNone/>
+                        <a:buFont typeface="Arial" panose="020B0604020202020204" pitchFamily="34" charset="0"/>
+                        <a:buChar char="•"/>
                       </a:pPr>
                       <a:r>
-                        <a:rPr lang="en" sz="1800" i="1">
+                        <a:rPr lang="en" sz="1800" i="1" dirty="0">
                           <a:solidFill>
                             <a:srgbClr val="525C65"/>
                           </a:solidFill>
@@ -8585,7 +8586,7 @@
                         <a:t>Minimum could be </a:t>
                       </a:r>
                       <a:r>
-                        <a:rPr lang="en" sz="1800" i="1" smtClean="0">
+                        <a:rPr lang="en" sz="1800" b="1" i="1" dirty="0" smtClean="0">
                           <a:solidFill>
                             <a:srgbClr val="525C65"/>
                           </a:solidFill>
@@ -8594,10 +8595,10 @@
                           <a:cs typeface="Open Sans Light"/>
                           <a:sym typeface="Open Sans Light"/>
                         </a:rPr>
-                        <a:t>10 </a:t>
+                        <a:t>7</a:t>
                       </a:r>
                       <a:r>
-                        <a:rPr lang="en" sz="1800" i="1">
+                        <a:rPr lang="en" sz="1800" i="1" dirty="0" smtClean="0">
                           <a:solidFill>
                             <a:srgbClr val="525C65"/>
                           </a:solidFill>
@@ -8606,28 +8607,80 @@
                           <a:cs typeface="Open Sans Light"/>
                           <a:sym typeface="Open Sans Light"/>
                         </a:rPr>
-                        <a:t>weeks</a:t>
+                        <a:t> weeks</a:t>
                       </a:r>
-                      <a:endParaRPr sz="1800" i="1" dirty="0">
-                        <a:solidFill>
-                          <a:srgbClr val="525C65"/>
-                        </a:solidFill>
-                        <a:latin typeface="Open Sans Light"/>
-                        <a:ea typeface="Open Sans Light"/>
-                        <a:cs typeface="Open Sans Light"/>
-                        <a:sym typeface="Open Sans Light"/>
-                      </a:endParaRPr>
+                      <a:r>
+                        <a:rPr lang="en" sz="1800" i="1" baseline="0" dirty="0" smtClean="0">
+                          <a:solidFill>
+                            <a:srgbClr val="525C65"/>
+                          </a:solidFill>
+                          <a:latin typeface="Open Sans Light"/>
+                          <a:ea typeface="Open Sans Light"/>
+                          <a:cs typeface="Open Sans Light"/>
+                          <a:sym typeface="Open Sans Light"/>
+                        </a:rPr>
+                        <a:t> </a:t>
+                      </a:r>
+                      <a:r>
+                        <a:rPr lang="en-US" sz="1800" i="1" dirty="0" smtClean="0">
+                          <a:solidFill>
+                            <a:srgbClr val="525C65"/>
+                          </a:solidFill>
+                          <a:latin typeface="Open Sans Light"/>
+                          <a:ea typeface="Open Sans Light"/>
+                          <a:cs typeface="Open Sans Light"/>
+                          <a:sym typeface="Open Sans Light"/>
+                        </a:rPr>
+                        <a:t>by parallelizing independent tasks: inputting inventory data and creating social media channels in Week 3, building social media integration and training </a:t>
+                      </a:r>
+                      <a:r>
+                        <a:rPr lang="en-US" sz="1800" i="1" dirty="0" err="1" smtClean="0">
+                          <a:solidFill>
+                            <a:srgbClr val="525C65"/>
+                          </a:solidFill>
+                          <a:latin typeface="Open Sans Light"/>
+                          <a:ea typeface="Open Sans Light"/>
+                          <a:cs typeface="Open Sans Light"/>
+                          <a:sym typeface="Open Sans Light"/>
+                        </a:rPr>
+                        <a:t>Stefanos</a:t>
+                      </a:r>
+                      <a:r>
+                        <a:rPr lang="en-US" sz="1800" i="1" dirty="0" smtClean="0">
+                          <a:solidFill>
+                            <a:srgbClr val="525C65"/>
+                          </a:solidFill>
+                          <a:latin typeface="Open Sans Light"/>
+                          <a:ea typeface="Open Sans Light"/>
+                          <a:cs typeface="Open Sans Light"/>
+                          <a:sym typeface="Open Sans Light"/>
+                        </a:rPr>
+                        <a:t> in Weeks 4-5. All other tasks are scheduled consecutively to meet dependencies.</a:t>
+                      </a:r>
                     </a:p>
                     <a:p>
-                      <a:pPr marL="0" lvl="0" indent="0" algn="l" rtl="0">
+                      <a:pPr marL="285750" lvl="0" indent="-285750" algn="l" rtl="0">
                         <a:spcBef>
                           <a:spcPts val="0"/>
                         </a:spcBef>
                         <a:spcAft>
                           <a:spcPts val="0"/>
                         </a:spcAft>
-                        <a:buNone/>
+                        <a:buFont typeface="Arial" panose="020B0604020202020204" pitchFamily="34" charset="0"/>
+                        <a:buChar char="•"/>
                       </a:pPr>
+                      <a:r>
+                        <a:rPr lang="en" sz="1800" i="1" dirty="0" smtClean="0">
+                          <a:solidFill>
+                            <a:srgbClr val="525C65"/>
+                          </a:solidFill>
+                          <a:latin typeface="Open Sans Light"/>
+                          <a:ea typeface="Open Sans Light"/>
+                          <a:cs typeface="Open Sans Light"/>
+                          <a:sym typeface="Open Sans Light"/>
+                        </a:rPr>
+                        <a:t>Maximum </a:t>
+                      </a:r>
                       <a:r>
                         <a:rPr lang="en" sz="1800" i="1" dirty="0">
                           <a:solidFill>
@@ -8638,7 +8691,31 @@
                           <a:cs typeface="Open Sans Light"/>
                           <a:sym typeface="Open Sans Light"/>
                         </a:rPr>
-                        <a:t>Maximum could be 12  weeks</a:t>
+                        <a:t>could be </a:t>
+                      </a:r>
+                      <a:r>
+                        <a:rPr lang="en" sz="1800" b="1" i="1" dirty="0">
+                          <a:solidFill>
+                            <a:srgbClr val="525C65"/>
+                          </a:solidFill>
+                          <a:latin typeface="Open Sans Light"/>
+                          <a:ea typeface="Open Sans Light"/>
+                          <a:cs typeface="Open Sans Light"/>
+                          <a:sym typeface="Open Sans Light"/>
+                        </a:rPr>
+                        <a:t>12</a:t>
+                      </a:r>
+                      <a:r>
+                        <a:rPr lang="en" sz="1800" i="1" dirty="0">
+                          <a:solidFill>
+                            <a:srgbClr val="525C65"/>
+                          </a:solidFill>
+                          <a:latin typeface="Open Sans Light"/>
+                          <a:ea typeface="Open Sans Light"/>
+                          <a:cs typeface="Open Sans Light"/>
+                          <a:sym typeface="Open Sans Light"/>
+                        </a:rPr>
+                        <a:t>  weeks</a:t>
                       </a:r>
                       <a:endParaRPr sz="1800" dirty="0">
                         <a:solidFill>
@@ -9394,7 +9471,7 @@
         </p:nvGraphicFramePr>
         <p:xfrm>
           <a:off x="264950" y="3261275"/>
-          <a:ext cx="3000000" cy="3000000"/>
+          <a:ext cx="7242600" cy="5863346"/>
         </p:xfrm>
         <a:graphic>
           <a:graphicData uri="http://schemas.openxmlformats.org/drawingml/2006/table">
